--- a/presentation/write1.pptx
+++ b/presentation/write1.pptx
@@ -108,6 +108,11 @@
       </a:defRPr>
     </a:lvl9pPr>
   </p:defaultTextStyle>
+  <p:extLst>
+    <p:ext uri="{EFAFB233-063F-42B5-8137-9DF3F51BA10A}">
+      <p15:sldGuideLst xmlns:p15="http://schemas.microsoft.com/office/powerpoint/2012/main"/>
+    </p:ext>
+  </p:extLst>
 </p:presentation>
 </file>
 
@@ -257,38 +262,37 @@
           <a:p>
             <a:pPr lvl="0"/>
             <a:r>
-              <a:rPr lang="zh-CN" altLang="en-US" smtClean="0"/>
+              <a:rPr lang="zh-CN" altLang="en-US"/>
               <a:t>编辑母版文本样式</a:t>
             </a:r>
           </a:p>
           <a:p>
             <a:pPr lvl="1"/>
             <a:r>
-              <a:rPr lang="zh-CN" altLang="en-US" smtClean="0"/>
+              <a:rPr lang="zh-CN" altLang="en-US"/>
               <a:t>第二级</a:t>
             </a:r>
           </a:p>
           <a:p>
             <a:pPr lvl="2"/>
             <a:r>
-              <a:rPr lang="zh-CN" altLang="en-US" smtClean="0"/>
+              <a:rPr lang="zh-CN" altLang="en-US"/>
               <a:t>第三级</a:t>
             </a:r>
           </a:p>
           <a:p>
             <a:pPr lvl="3"/>
             <a:r>
-              <a:rPr lang="zh-CN" altLang="en-US" smtClean="0"/>
+              <a:rPr lang="zh-CN" altLang="en-US"/>
               <a:t>第四级</a:t>
             </a:r>
           </a:p>
           <a:p>
             <a:pPr lvl="4"/>
             <a:r>
-              <a:rPr lang="zh-CN" altLang="en-US" smtClean="0"/>
+              <a:rPr lang="zh-CN" altLang="en-US"/>
               <a:t>第五级</a:t>
             </a:r>
-            <a:endParaRPr lang="zh-CN" altLang="en-US"/>
           </a:p>
         </p:txBody>
       </p:sp>
@@ -647,10 +651,9 @@
           </a:lstStyle>
           <a:p>
             <a:r>
-              <a:rPr lang="zh-CN" altLang="en-US" smtClean="0"/>
+              <a:rPr lang="zh-CN" altLang="en-US"/>
               <a:t>单击此处编辑母版标题样式</a:t>
             </a:r>
-            <a:endParaRPr lang="zh-CN" altLang="en-US"/>
           </a:p>
         </p:txBody>
       </p:sp>
@@ -712,10 +715,9 @@
           </a:lstStyle>
           <a:p>
             <a:r>
-              <a:rPr lang="zh-CN" altLang="en-US" smtClean="0"/>
+              <a:rPr lang="zh-CN" altLang="en-US"/>
               <a:t>单击以编辑母版副标题样式</a:t>
             </a:r>
-            <a:endParaRPr lang="zh-CN" altLang="en-US"/>
           </a:p>
         </p:txBody>
       </p:sp>
@@ -830,10 +832,9 @@
           <a:lstStyle/>
           <a:p>
             <a:r>
-              <a:rPr lang="zh-CN" altLang="en-US" smtClean="0"/>
+              <a:rPr lang="zh-CN" altLang="en-US"/>
               <a:t>单击此处编辑母版标题样式</a:t>
             </a:r>
-            <a:endParaRPr lang="zh-CN" altLang="en-US"/>
           </a:p>
         </p:txBody>
       </p:sp>
@@ -854,38 +855,37 @@
           <a:p>
             <a:pPr lvl="0"/>
             <a:r>
-              <a:rPr lang="zh-CN" altLang="en-US" smtClean="0"/>
+              <a:rPr lang="zh-CN" altLang="en-US"/>
               <a:t>编辑母版文本样式</a:t>
             </a:r>
           </a:p>
           <a:p>
             <a:pPr lvl="1"/>
             <a:r>
-              <a:rPr lang="zh-CN" altLang="en-US" smtClean="0"/>
+              <a:rPr lang="zh-CN" altLang="en-US"/>
               <a:t>第二级</a:t>
             </a:r>
           </a:p>
           <a:p>
             <a:pPr lvl="2"/>
             <a:r>
-              <a:rPr lang="zh-CN" altLang="en-US" smtClean="0"/>
+              <a:rPr lang="zh-CN" altLang="en-US"/>
               <a:t>第三级</a:t>
             </a:r>
           </a:p>
           <a:p>
             <a:pPr lvl="3"/>
             <a:r>
-              <a:rPr lang="zh-CN" altLang="en-US" smtClean="0"/>
+              <a:rPr lang="zh-CN" altLang="en-US"/>
               <a:t>第四级</a:t>
             </a:r>
           </a:p>
           <a:p>
             <a:pPr lvl="4"/>
             <a:r>
-              <a:rPr lang="zh-CN" altLang="en-US" smtClean="0"/>
+              <a:rPr lang="zh-CN" altLang="en-US"/>
               <a:t>第五级</a:t>
             </a:r>
-            <a:endParaRPr lang="zh-CN" altLang="en-US"/>
           </a:p>
         </p:txBody>
       </p:sp>
@@ -1005,10 +1005,9 @@
           <a:lstStyle/>
           <a:p>
             <a:r>
-              <a:rPr lang="zh-CN" altLang="en-US" smtClean="0"/>
+              <a:rPr lang="zh-CN" altLang="en-US"/>
               <a:t>单击此处编辑母版标题样式</a:t>
             </a:r>
-            <a:endParaRPr lang="zh-CN" altLang="en-US"/>
           </a:p>
         </p:txBody>
       </p:sp>
@@ -1034,38 +1033,37 @@
           <a:p>
             <a:pPr lvl="0"/>
             <a:r>
-              <a:rPr lang="zh-CN" altLang="en-US" smtClean="0"/>
+              <a:rPr lang="zh-CN" altLang="en-US"/>
               <a:t>编辑母版文本样式</a:t>
             </a:r>
           </a:p>
           <a:p>
             <a:pPr lvl="1"/>
             <a:r>
-              <a:rPr lang="zh-CN" altLang="en-US" smtClean="0"/>
+              <a:rPr lang="zh-CN" altLang="en-US"/>
               <a:t>第二级</a:t>
             </a:r>
           </a:p>
           <a:p>
             <a:pPr lvl="2"/>
             <a:r>
-              <a:rPr lang="zh-CN" altLang="en-US" smtClean="0"/>
+              <a:rPr lang="zh-CN" altLang="en-US"/>
               <a:t>第三级</a:t>
             </a:r>
           </a:p>
           <a:p>
             <a:pPr lvl="3"/>
             <a:r>
-              <a:rPr lang="zh-CN" altLang="en-US" smtClean="0"/>
+              <a:rPr lang="zh-CN" altLang="en-US"/>
               <a:t>第四级</a:t>
             </a:r>
           </a:p>
           <a:p>
             <a:pPr lvl="4"/>
             <a:r>
-              <a:rPr lang="zh-CN" altLang="en-US" smtClean="0"/>
+              <a:rPr lang="zh-CN" altLang="en-US"/>
               <a:t>第五级</a:t>
             </a:r>
-            <a:endParaRPr lang="zh-CN" altLang="en-US"/>
           </a:p>
         </p:txBody>
       </p:sp>
@@ -1180,10 +1178,9 @@
           <a:lstStyle/>
           <a:p>
             <a:r>
-              <a:rPr lang="zh-CN" altLang="en-US" smtClean="0"/>
+              <a:rPr lang="zh-CN" altLang="en-US"/>
               <a:t>单击此处编辑母版标题样式</a:t>
             </a:r>
-            <a:endParaRPr lang="zh-CN" altLang="en-US"/>
           </a:p>
         </p:txBody>
       </p:sp>
@@ -1204,38 +1201,37 @@
           <a:p>
             <a:pPr lvl="0"/>
             <a:r>
-              <a:rPr lang="zh-CN" altLang="en-US" smtClean="0"/>
+              <a:rPr lang="zh-CN" altLang="en-US"/>
               <a:t>编辑母版文本样式</a:t>
             </a:r>
           </a:p>
           <a:p>
             <a:pPr lvl="1"/>
             <a:r>
-              <a:rPr lang="zh-CN" altLang="en-US" smtClean="0"/>
+              <a:rPr lang="zh-CN" altLang="en-US"/>
               <a:t>第二级</a:t>
             </a:r>
           </a:p>
           <a:p>
             <a:pPr lvl="2"/>
             <a:r>
-              <a:rPr lang="zh-CN" altLang="en-US" smtClean="0"/>
+              <a:rPr lang="zh-CN" altLang="en-US"/>
               <a:t>第三级</a:t>
             </a:r>
           </a:p>
           <a:p>
             <a:pPr lvl="3"/>
             <a:r>
-              <a:rPr lang="zh-CN" altLang="en-US" smtClean="0"/>
+              <a:rPr lang="zh-CN" altLang="en-US"/>
               <a:t>第四级</a:t>
             </a:r>
           </a:p>
           <a:p>
             <a:pPr lvl="4"/>
             <a:r>
-              <a:rPr lang="zh-CN" altLang="en-US" smtClean="0"/>
+              <a:rPr lang="zh-CN" altLang="en-US"/>
               <a:t>第五级</a:t>
             </a:r>
-            <a:endParaRPr lang="zh-CN" altLang="en-US"/>
           </a:p>
         </p:txBody>
       </p:sp>
@@ -1359,10 +1355,9 @@
           </a:lstStyle>
           <a:p>
             <a:r>
-              <a:rPr lang="zh-CN" altLang="en-US" smtClean="0"/>
+              <a:rPr lang="zh-CN" altLang="en-US"/>
               <a:t>单击此处编辑母版标题样式</a:t>
             </a:r>
-            <a:endParaRPr lang="zh-CN" altLang="en-US"/>
           </a:p>
         </p:txBody>
       </p:sp>
@@ -1479,7 +1474,7 @@
           <a:p>
             <a:pPr lvl="0"/>
             <a:r>
-              <a:rPr lang="zh-CN" altLang="en-US" smtClean="0"/>
+              <a:rPr lang="zh-CN" altLang="en-US"/>
               <a:t>编辑母版文本样式</a:t>
             </a:r>
           </a:p>
@@ -1596,10 +1591,9 @@
           <a:lstStyle/>
           <a:p>
             <a:r>
-              <a:rPr lang="zh-CN" altLang="en-US" smtClean="0"/>
+              <a:rPr lang="zh-CN" altLang="en-US"/>
               <a:t>单击此处编辑母版标题样式</a:t>
             </a:r>
-            <a:endParaRPr lang="zh-CN" altLang="en-US"/>
           </a:p>
         </p:txBody>
       </p:sp>
@@ -1625,38 +1619,37 @@
           <a:p>
             <a:pPr lvl="0"/>
             <a:r>
-              <a:rPr lang="zh-CN" altLang="en-US" smtClean="0"/>
+              <a:rPr lang="zh-CN" altLang="en-US"/>
               <a:t>编辑母版文本样式</a:t>
             </a:r>
           </a:p>
           <a:p>
             <a:pPr lvl="1"/>
             <a:r>
-              <a:rPr lang="zh-CN" altLang="en-US" smtClean="0"/>
+              <a:rPr lang="zh-CN" altLang="en-US"/>
               <a:t>第二级</a:t>
             </a:r>
           </a:p>
           <a:p>
             <a:pPr lvl="2"/>
             <a:r>
-              <a:rPr lang="zh-CN" altLang="en-US" smtClean="0"/>
+              <a:rPr lang="zh-CN" altLang="en-US"/>
               <a:t>第三级</a:t>
             </a:r>
           </a:p>
           <a:p>
             <a:pPr lvl="3"/>
             <a:r>
-              <a:rPr lang="zh-CN" altLang="en-US" smtClean="0"/>
+              <a:rPr lang="zh-CN" altLang="en-US"/>
               <a:t>第四级</a:t>
             </a:r>
           </a:p>
           <a:p>
             <a:pPr lvl="4"/>
             <a:r>
-              <a:rPr lang="zh-CN" altLang="en-US" smtClean="0"/>
+              <a:rPr lang="zh-CN" altLang="en-US"/>
               <a:t>第五级</a:t>
             </a:r>
-            <a:endParaRPr lang="zh-CN" altLang="en-US"/>
           </a:p>
         </p:txBody>
       </p:sp>
@@ -1682,38 +1675,37 @@
           <a:p>
             <a:pPr lvl="0"/>
             <a:r>
-              <a:rPr lang="zh-CN" altLang="en-US" smtClean="0"/>
+              <a:rPr lang="zh-CN" altLang="en-US"/>
               <a:t>编辑母版文本样式</a:t>
             </a:r>
           </a:p>
           <a:p>
             <a:pPr lvl="1"/>
             <a:r>
-              <a:rPr lang="zh-CN" altLang="en-US" smtClean="0"/>
+              <a:rPr lang="zh-CN" altLang="en-US"/>
               <a:t>第二级</a:t>
             </a:r>
           </a:p>
           <a:p>
             <a:pPr lvl="2"/>
             <a:r>
-              <a:rPr lang="zh-CN" altLang="en-US" smtClean="0"/>
+              <a:rPr lang="zh-CN" altLang="en-US"/>
               <a:t>第三级</a:t>
             </a:r>
           </a:p>
           <a:p>
             <a:pPr lvl="3"/>
             <a:r>
-              <a:rPr lang="zh-CN" altLang="en-US" smtClean="0"/>
+              <a:rPr lang="zh-CN" altLang="en-US"/>
               <a:t>第四级</a:t>
             </a:r>
           </a:p>
           <a:p>
             <a:pPr lvl="4"/>
             <a:r>
-              <a:rPr lang="zh-CN" altLang="en-US" smtClean="0"/>
+              <a:rPr lang="zh-CN" altLang="en-US"/>
               <a:t>第五级</a:t>
             </a:r>
-            <a:endParaRPr lang="zh-CN" altLang="en-US"/>
           </a:p>
         </p:txBody>
       </p:sp>
@@ -1833,10 +1825,9 @@
           <a:lstStyle/>
           <a:p>
             <a:r>
-              <a:rPr lang="zh-CN" altLang="en-US" smtClean="0"/>
+              <a:rPr lang="zh-CN" altLang="en-US"/>
               <a:t>单击此处编辑母版标题样式</a:t>
             </a:r>
-            <a:endParaRPr lang="zh-CN" altLang="en-US"/>
           </a:p>
         </p:txBody>
       </p:sp>
@@ -1899,7 +1890,7 @@
           <a:p>
             <a:pPr lvl="0"/>
             <a:r>
-              <a:rPr lang="zh-CN" altLang="en-US" smtClean="0"/>
+              <a:rPr lang="zh-CN" altLang="en-US"/>
               <a:t>编辑母版文本样式</a:t>
             </a:r>
           </a:p>
@@ -1927,38 +1918,37 @@
           <a:p>
             <a:pPr lvl="0"/>
             <a:r>
-              <a:rPr lang="zh-CN" altLang="en-US" smtClean="0"/>
+              <a:rPr lang="zh-CN" altLang="en-US"/>
               <a:t>编辑母版文本样式</a:t>
             </a:r>
           </a:p>
           <a:p>
             <a:pPr lvl="1"/>
             <a:r>
-              <a:rPr lang="zh-CN" altLang="en-US" smtClean="0"/>
+              <a:rPr lang="zh-CN" altLang="en-US"/>
               <a:t>第二级</a:t>
             </a:r>
           </a:p>
           <a:p>
             <a:pPr lvl="2"/>
             <a:r>
-              <a:rPr lang="zh-CN" altLang="en-US" smtClean="0"/>
+              <a:rPr lang="zh-CN" altLang="en-US"/>
               <a:t>第三级</a:t>
             </a:r>
           </a:p>
           <a:p>
             <a:pPr lvl="3"/>
             <a:r>
-              <a:rPr lang="zh-CN" altLang="en-US" smtClean="0"/>
+              <a:rPr lang="zh-CN" altLang="en-US"/>
               <a:t>第四级</a:t>
             </a:r>
           </a:p>
           <a:p>
             <a:pPr lvl="4"/>
             <a:r>
-              <a:rPr lang="zh-CN" altLang="en-US" smtClean="0"/>
+              <a:rPr lang="zh-CN" altLang="en-US"/>
               <a:t>第五级</a:t>
             </a:r>
-            <a:endParaRPr lang="zh-CN" altLang="en-US"/>
           </a:p>
         </p:txBody>
       </p:sp>
@@ -2021,7 +2011,7 @@
           <a:p>
             <a:pPr lvl="0"/>
             <a:r>
-              <a:rPr lang="zh-CN" altLang="en-US" smtClean="0"/>
+              <a:rPr lang="zh-CN" altLang="en-US"/>
               <a:t>编辑母版文本样式</a:t>
             </a:r>
           </a:p>
@@ -2049,38 +2039,37 @@
           <a:p>
             <a:pPr lvl="0"/>
             <a:r>
-              <a:rPr lang="zh-CN" altLang="en-US" smtClean="0"/>
+              <a:rPr lang="zh-CN" altLang="en-US"/>
               <a:t>编辑母版文本样式</a:t>
             </a:r>
           </a:p>
           <a:p>
             <a:pPr lvl="1"/>
             <a:r>
-              <a:rPr lang="zh-CN" altLang="en-US" smtClean="0"/>
+              <a:rPr lang="zh-CN" altLang="en-US"/>
               <a:t>第二级</a:t>
             </a:r>
           </a:p>
           <a:p>
             <a:pPr lvl="2"/>
             <a:r>
-              <a:rPr lang="zh-CN" altLang="en-US" smtClean="0"/>
+              <a:rPr lang="zh-CN" altLang="en-US"/>
               <a:t>第三级</a:t>
             </a:r>
           </a:p>
           <a:p>
             <a:pPr lvl="3"/>
             <a:r>
-              <a:rPr lang="zh-CN" altLang="en-US" smtClean="0"/>
+              <a:rPr lang="zh-CN" altLang="en-US"/>
               <a:t>第四级</a:t>
             </a:r>
           </a:p>
           <a:p>
             <a:pPr lvl="4"/>
             <a:r>
-              <a:rPr lang="zh-CN" altLang="en-US" smtClean="0"/>
+              <a:rPr lang="zh-CN" altLang="en-US"/>
               <a:t>第五级</a:t>
             </a:r>
-            <a:endParaRPr lang="zh-CN" altLang="en-US"/>
           </a:p>
         </p:txBody>
       </p:sp>
@@ -2195,10 +2184,9 @@
           <a:lstStyle/>
           <a:p>
             <a:r>
-              <a:rPr lang="zh-CN" altLang="en-US" smtClean="0"/>
+              <a:rPr lang="zh-CN" altLang="en-US"/>
               <a:t>单击此处编辑母版标题样式</a:t>
             </a:r>
-            <a:endParaRPr lang="zh-CN" altLang="en-US"/>
           </a:p>
         </p:txBody>
       </p:sp>
@@ -2417,10 +2405,9 @@
           </a:lstStyle>
           <a:p>
             <a:r>
-              <a:rPr lang="zh-CN" altLang="en-US" smtClean="0"/>
+              <a:rPr lang="zh-CN" altLang="en-US"/>
               <a:t>单击此处编辑母版标题样式</a:t>
             </a:r>
-            <a:endParaRPr lang="zh-CN" altLang="en-US"/>
           </a:p>
         </p:txBody>
       </p:sp>
@@ -2474,38 +2461,37 @@
           <a:p>
             <a:pPr lvl="0"/>
             <a:r>
-              <a:rPr lang="zh-CN" altLang="en-US" smtClean="0"/>
+              <a:rPr lang="zh-CN" altLang="en-US"/>
               <a:t>编辑母版文本样式</a:t>
             </a:r>
           </a:p>
           <a:p>
             <a:pPr lvl="1"/>
             <a:r>
-              <a:rPr lang="zh-CN" altLang="en-US" smtClean="0"/>
+              <a:rPr lang="zh-CN" altLang="en-US"/>
               <a:t>第二级</a:t>
             </a:r>
           </a:p>
           <a:p>
             <a:pPr lvl="2"/>
             <a:r>
-              <a:rPr lang="zh-CN" altLang="en-US" smtClean="0"/>
+              <a:rPr lang="zh-CN" altLang="en-US"/>
               <a:t>第三级</a:t>
             </a:r>
           </a:p>
           <a:p>
             <a:pPr lvl="3"/>
             <a:r>
-              <a:rPr lang="zh-CN" altLang="en-US" smtClean="0"/>
+              <a:rPr lang="zh-CN" altLang="en-US"/>
               <a:t>第四级</a:t>
             </a:r>
           </a:p>
           <a:p>
             <a:pPr lvl="4"/>
             <a:r>
-              <a:rPr lang="zh-CN" altLang="en-US" smtClean="0"/>
+              <a:rPr lang="zh-CN" altLang="en-US"/>
               <a:t>第五级</a:t>
             </a:r>
-            <a:endParaRPr lang="zh-CN" altLang="en-US"/>
           </a:p>
         </p:txBody>
       </p:sp>
@@ -2568,7 +2554,7 @@
           <a:p>
             <a:pPr lvl="0"/>
             <a:r>
-              <a:rPr lang="zh-CN" altLang="en-US" smtClean="0"/>
+              <a:rPr lang="zh-CN" altLang="en-US"/>
               <a:t>编辑母版文本样式</a:t>
             </a:r>
           </a:p>
@@ -2694,10 +2680,9 @@
           </a:lstStyle>
           <a:p>
             <a:r>
-              <a:rPr lang="zh-CN" altLang="en-US" smtClean="0"/>
+              <a:rPr lang="zh-CN" altLang="en-US"/>
               <a:t>单击此处编辑母版标题样式</a:t>
             </a:r>
-            <a:endParaRPr lang="zh-CN" altLang="en-US"/>
           </a:p>
         </p:txBody>
       </p:sp>
@@ -2821,7 +2806,7 @@
           <a:p>
             <a:pPr lvl="0"/>
             <a:r>
-              <a:rPr lang="zh-CN" altLang="en-US" smtClean="0"/>
+              <a:rPr lang="zh-CN" altLang="en-US"/>
               <a:t>编辑母版文本样式</a:t>
             </a:r>
           </a:p>
@@ -2953,10 +2938,9 @@
           <a:lstStyle/>
           <a:p>
             <a:r>
-              <a:rPr lang="zh-CN" altLang="en-US" smtClean="0"/>
+              <a:rPr lang="zh-CN" altLang="en-US"/>
               <a:t>单击此处编辑母版标题样式</a:t>
             </a:r>
-            <a:endParaRPr lang="zh-CN" altLang="en-US"/>
           </a:p>
         </p:txBody>
       </p:sp>
@@ -2987,38 +2971,37 @@
           <a:p>
             <a:pPr lvl="0"/>
             <a:r>
-              <a:rPr lang="zh-CN" altLang="en-US" smtClean="0"/>
+              <a:rPr lang="zh-CN" altLang="en-US"/>
               <a:t>编辑母版文本样式</a:t>
             </a:r>
           </a:p>
           <a:p>
             <a:pPr lvl="1"/>
             <a:r>
-              <a:rPr lang="zh-CN" altLang="en-US" smtClean="0"/>
+              <a:rPr lang="zh-CN" altLang="en-US"/>
               <a:t>第二级</a:t>
             </a:r>
           </a:p>
           <a:p>
             <a:pPr lvl="2"/>
             <a:r>
-              <a:rPr lang="zh-CN" altLang="en-US" smtClean="0"/>
+              <a:rPr lang="zh-CN" altLang="en-US"/>
               <a:t>第三级</a:t>
             </a:r>
           </a:p>
           <a:p>
             <a:pPr lvl="3"/>
             <a:r>
-              <a:rPr lang="zh-CN" altLang="en-US" smtClean="0"/>
+              <a:rPr lang="zh-CN" altLang="en-US"/>
               <a:t>第四级</a:t>
             </a:r>
           </a:p>
           <a:p>
             <a:pPr lvl="4"/>
             <a:r>
-              <a:rPr lang="zh-CN" altLang="en-US" smtClean="0"/>
+              <a:rPr lang="zh-CN" altLang="en-US"/>
               <a:t>第五级</a:t>
             </a:r>
-            <a:endParaRPr lang="zh-CN" altLang="en-US"/>
           </a:p>
         </p:txBody>
       </p:sp>
@@ -3688,14 +3671,10 @@
           <a:p>
             <a:r>
               <a:rPr lang="zh-CN" altLang="en-US" dirty="0"/>
-              <a:t>写入</a:t>
-            </a:r>
-            <a:r>
-              <a:rPr lang="zh-CN" altLang="en-US" dirty="0" smtClean="0"/>
-              <a:t>文件            </a:t>
-            </a:r>
-            <a:r>
-              <a:rPr lang="en-US" altLang="zh-CN" dirty="0" smtClean="0"/>
+              <a:t>写入文件            </a:t>
+            </a:r>
+            <a:r>
+              <a:rPr lang="en-US" altLang="zh-CN" dirty="0"/>
               <a:t>echo hello &gt; hello </a:t>
             </a:r>
             <a:endParaRPr lang="zh-CN" altLang="en-US" dirty="0"/>
@@ -3748,7 +3727,7 @@
           <a:lstStyle/>
           <a:p>
             <a:r>
-              <a:rPr lang="en-US" altLang="zh-CN" dirty="0" smtClean="0"/>
+              <a:rPr lang="en-US" altLang="zh-CN" dirty="0"/>
               <a:t>577 </a:t>
             </a:r>
             <a:endParaRPr lang="zh-CN" altLang="en-US" dirty="0"/>
@@ -3802,11 +3781,7 @@
           <a:p>
             <a:r>
               <a:rPr lang="en-US" altLang="zh-CN" dirty="0"/>
-              <a:t>0</a:t>
-            </a:r>
-            <a:r>
-              <a:rPr lang="en-US" altLang="zh-CN" dirty="0" smtClean="0"/>
-              <a:t> </a:t>
+              <a:t>0 </a:t>
             </a:r>
             <a:endParaRPr lang="zh-CN" altLang="en-US" dirty="0"/>
           </a:p>
@@ -3906,10 +3881,9 @@
           <a:lstStyle/>
           <a:p>
             <a:r>
-              <a:rPr lang="zh-CN" altLang="en-US" dirty="0" smtClean="0"/>
+              <a:rPr lang="zh-CN" altLang="en-US" dirty="0"/>
               <a:t>769</a:t>
             </a:r>
-            <a:endParaRPr lang="zh-CN" altLang="en-US" dirty="0"/>
           </a:p>
         </p:txBody>
       </p:sp>
@@ -3935,10 +3909,9 @@
           <a:lstStyle/>
           <a:p>
             <a:r>
-              <a:rPr lang="zh-CN" altLang="en-US" dirty="0" smtClean="0"/>
+              <a:rPr lang="zh-CN" altLang="en-US" dirty="0"/>
               <a:t>1543243302</a:t>
             </a:r>
-            <a:endParaRPr lang="zh-CN" altLang="en-US" dirty="0"/>
           </a:p>
         </p:txBody>
       </p:sp>
@@ -3964,7 +3937,7 @@
           <a:lstStyle/>
           <a:p>
             <a:r>
-              <a:rPr lang="en-US" altLang="zh-CN" dirty="0" smtClean="0"/>
+              <a:rPr lang="en-US" altLang="zh-CN" dirty="0"/>
               <a:t>1</a:t>
             </a:r>
             <a:endParaRPr lang="zh-CN" altLang="en-US" dirty="0"/>
@@ -3993,10 +3966,9 @@
           <a:lstStyle/>
           <a:p>
             <a:r>
-              <a:rPr lang="zh-CN" altLang="en-US" dirty="0" smtClean="0"/>
+              <a:rPr lang="zh-CN" altLang="en-US" dirty="0"/>
               <a:t>24292</a:t>
             </a:r>
-            <a:endParaRPr lang="zh-CN" altLang="en-US" dirty="0"/>
           </a:p>
         </p:txBody>
       </p:sp>
@@ -4022,19 +3994,19 @@
           <a:lstStyle/>
           <a:p>
             <a:r>
-              <a:rPr lang="en-US" altLang="zh-CN" dirty="0" err="1" smtClean="0"/>
+              <a:rPr lang="en-US" altLang="zh-CN" dirty="0" err="1"/>
               <a:t>Pos</a:t>
             </a:r>
             <a:r>
-              <a:rPr lang="en-US" altLang="zh-CN" dirty="0" smtClean="0"/>
+              <a:rPr lang="en-US" altLang="zh-CN" dirty="0"/>
               <a:t>/</a:t>
             </a:r>
             <a:r>
-              <a:rPr lang="en-US" altLang="zh-CN" dirty="0" err="1" smtClean="0"/>
+              <a:rPr lang="en-US" altLang="zh-CN" dirty="0" err="1"/>
               <a:t>block_size</a:t>
             </a:r>
             <a:r>
-              <a:rPr lang="en-US" altLang="zh-CN" dirty="0" smtClean="0"/>
+              <a:rPr lang="en-US" altLang="zh-CN" dirty="0"/>
               <a:t> </a:t>
             </a:r>
             <a:endParaRPr lang="zh-CN" altLang="en-US" dirty="0"/>
@@ -4063,7 +4035,7 @@
           <a:lstStyle/>
           <a:p>
             <a:r>
-              <a:rPr lang="en-US" altLang="zh-CN" dirty="0" smtClean="0"/>
+              <a:rPr lang="en-US" altLang="zh-CN" dirty="0"/>
               <a:t> </a:t>
             </a:r>
             <a:endParaRPr lang="zh-CN" altLang="en-US" dirty="0"/>
@@ -5229,7 +5201,7 @@
           <a:lstStyle/>
           <a:p>
             <a:r>
-              <a:rPr lang="en-US" altLang="zh-CN" dirty="0" smtClean="0"/>
+              <a:rPr lang="en-US" altLang="zh-CN" dirty="0"/>
               <a:t>577 </a:t>
             </a:r>
             <a:endParaRPr lang="zh-CN" altLang="en-US" dirty="0"/>
@@ -5283,11 +5255,7 @@
           <a:p>
             <a:r>
               <a:rPr lang="en-US" altLang="zh-CN" dirty="0"/>
-              <a:t>0</a:t>
-            </a:r>
-            <a:r>
-              <a:rPr lang="en-US" altLang="zh-CN" dirty="0" smtClean="0"/>
-              <a:t> </a:t>
+              <a:t>0 </a:t>
             </a:r>
             <a:endParaRPr lang="zh-CN" altLang="en-US" dirty="0"/>
           </a:p>
@@ -5363,10 +5331,9 @@
           <a:lstStyle/>
           <a:p>
             <a:r>
-              <a:rPr lang="zh-CN" altLang="en-US" dirty="0" smtClean="0"/>
+              <a:rPr lang="zh-CN" altLang="en-US" dirty="0"/>
               <a:t>769</a:t>
             </a:r>
-            <a:endParaRPr lang="zh-CN" altLang="en-US" dirty="0"/>
           </a:p>
         </p:txBody>
       </p:sp>
@@ -5392,10 +5359,9 @@
           <a:lstStyle/>
           <a:p>
             <a:r>
-              <a:rPr lang="zh-CN" altLang="en-US" dirty="0" smtClean="0"/>
+              <a:rPr lang="zh-CN" altLang="en-US" dirty="0"/>
               <a:t>1543243302</a:t>
             </a:r>
-            <a:endParaRPr lang="zh-CN" altLang="en-US" dirty="0"/>
           </a:p>
         </p:txBody>
       </p:sp>
@@ -5421,7 +5387,7 @@
           <a:lstStyle/>
           <a:p>
             <a:r>
-              <a:rPr lang="en-US" altLang="zh-CN" dirty="0" smtClean="0"/>
+              <a:rPr lang="en-US" altLang="zh-CN" dirty="0"/>
               <a:t>1</a:t>
             </a:r>
             <a:endParaRPr lang="zh-CN" altLang="en-US" dirty="0"/>
@@ -5450,19 +5416,19 @@
           <a:lstStyle/>
           <a:p>
             <a:r>
-              <a:rPr lang="en-US" altLang="zh-CN" dirty="0" err="1" smtClean="0"/>
+              <a:rPr lang="en-US" altLang="zh-CN" dirty="0" err="1"/>
               <a:t>Pos</a:t>
             </a:r>
             <a:r>
-              <a:rPr lang="en-US" altLang="zh-CN" dirty="0" smtClean="0"/>
+              <a:rPr lang="en-US" altLang="zh-CN" dirty="0"/>
               <a:t>/</a:t>
             </a:r>
             <a:r>
-              <a:rPr lang="en-US" altLang="zh-CN" dirty="0" err="1" smtClean="0"/>
+              <a:rPr lang="en-US" altLang="zh-CN" dirty="0" err="1"/>
               <a:t>block_size</a:t>
             </a:r>
             <a:r>
-              <a:rPr lang="en-US" altLang="zh-CN" dirty="0" smtClean="0"/>
+              <a:rPr lang="en-US" altLang="zh-CN" dirty="0"/>
               <a:t> </a:t>
             </a:r>
             <a:endParaRPr lang="zh-CN" altLang="en-US" dirty="0"/>
@@ -5491,7 +5457,7 @@
           <a:lstStyle/>
           <a:p>
             <a:r>
-              <a:rPr lang="en-US" altLang="zh-CN" dirty="0" smtClean="0"/>
+              <a:rPr lang="en-US" altLang="zh-CN" dirty="0"/>
               <a:t> </a:t>
             </a:r>
             <a:endParaRPr lang="zh-CN" altLang="en-US" dirty="0"/>
@@ -5521,11 +5487,7 @@
           <a:p>
             <a:r>
               <a:rPr lang="en-US" altLang="zh-CN" dirty="0"/>
-              <a:t>0</a:t>
-            </a:r>
-            <a:r>
-              <a:rPr lang="en-US" altLang="zh-CN" dirty="0" smtClean="0"/>
-              <a:t> </a:t>
+              <a:t>0 </a:t>
             </a:r>
             <a:endParaRPr lang="zh-CN" altLang="en-US" dirty="0"/>
           </a:p>
